--- a/docs/表结构说明.pptx
+++ b/docs/表结构说明.pptx
@@ -4,6 +4,9 @@
   <p:sldMasterIdLst>
     <p:sldMasterId id="2147483648" r:id="rId1"/>
   </p:sldMasterIdLst>
+  <p:notesMasterIdLst>
+    <p:notesMasterId r:id="rId5"/>
+  </p:notesMasterIdLst>
   <p:sldIdLst>
     <p:sldId id="258" r:id="rId2"/>
     <p:sldId id="257" r:id="rId3"/>
@@ -114,6 +117,439 @@
 </p:presentation>
 </file>
 
+<file path=ppt/notesMasters/notesMaster1.xml><?xml version="1.0" encoding="utf-8"?>
+<p:notesMaster xmlns:a="http://schemas.openxmlformats.org/drawingml/2006/main" xmlns:r="http://schemas.openxmlformats.org/officeDocument/2006/relationships" xmlns:p="http://schemas.openxmlformats.org/presentationml/2006/main">
+  <p:cSld>
+    <p:bg>
+      <p:bgRef idx="1001">
+        <a:schemeClr val="bg1"/>
+      </p:bgRef>
+    </p:bg>
+    <p:spTree>
+      <p:nvGrpSpPr>
+        <p:cNvPr id="1" name=""/>
+        <p:cNvGrpSpPr/>
+        <p:nvPr/>
+      </p:nvGrpSpPr>
+      <p:grpSpPr>
+        <a:xfrm>
+          <a:off x="0" y="0"/>
+          <a:ext cx="0" cy="0"/>
+          <a:chOff x="0" y="0"/>
+          <a:chExt cx="0" cy="0"/>
+        </a:xfrm>
+      </p:grpSpPr>
+      <p:sp>
+        <p:nvSpPr>
+          <p:cNvPr id="2" name="页眉占位符 1"/>
+          <p:cNvSpPr>
+            <a:spLocks noGrp="1"/>
+          </p:cNvSpPr>
+          <p:nvPr>
+            <p:ph type="hdr" sz="quarter"/>
+          </p:nvPr>
+        </p:nvSpPr>
+        <p:spPr>
+          <a:xfrm>
+            <a:off x="0" y="0"/>
+            <a:ext cx="2971800" cy="458788"/>
+          </a:xfrm>
+          <a:prstGeom prst="rect">
+            <a:avLst/>
+          </a:prstGeom>
+        </p:spPr>
+        <p:txBody>
+          <a:bodyPr vert="horz" lIns="91440" tIns="45720" rIns="91440" bIns="45720" rtlCol="0"/>
+          <a:lstStyle>
+            <a:lvl1pPr algn="l">
+              <a:defRPr sz="1200"/>
+            </a:lvl1pPr>
+          </a:lstStyle>
+          <a:p>
+            <a:endParaRPr lang="zh-CN" altLang="en-US"/>
+          </a:p>
+        </p:txBody>
+      </p:sp>
+      <p:sp>
+        <p:nvSpPr>
+          <p:cNvPr id="3" name="日期占位符 2"/>
+          <p:cNvSpPr>
+            <a:spLocks noGrp="1"/>
+          </p:cNvSpPr>
+          <p:nvPr>
+            <p:ph type="dt" idx="1"/>
+          </p:nvPr>
+        </p:nvSpPr>
+        <p:spPr>
+          <a:xfrm>
+            <a:off x="3884613" y="0"/>
+            <a:ext cx="2971800" cy="458788"/>
+          </a:xfrm>
+          <a:prstGeom prst="rect">
+            <a:avLst/>
+          </a:prstGeom>
+        </p:spPr>
+        <p:txBody>
+          <a:bodyPr vert="horz" lIns="91440" tIns="45720" rIns="91440" bIns="45720" rtlCol="0"/>
+          <a:lstStyle>
+            <a:lvl1pPr algn="r">
+              <a:defRPr sz="1200"/>
+            </a:lvl1pPr>
+          </a:lstStyle>
+          <a:p>
+            <a:fld id="{5A76E3D7-8389-456A-98EF-2401B46570C8}" type="datetimeFigureOut">
+              <a:rPr lang="zh-CN" altLang="en-US" smtClean="0"/>
+              <a:t>2022/1/20</a:t>
+            </a:fld>
+            <a:endParaRPr lang="zh-CN" altLang="en-US"/>
+          </a:p>
+        </p:txBody>
+      </p:sp>
+      <p:sp>
+        <p:nvSpPr>
+          <p:cNvPr id="4" name="幻灯片图像占位符 3"/>
+          <p:cNvSpPr>
+            <a:spLocks noGrp="1" noRot="1" noChangeAspect="1"/>
+          </p:cNvSpPr>
+          <p:nvPr>
+            <p:ph type="sldImg" idx="2"/>
+          </p:nvPr>
+        </p:nvSpPr>
+        <p:spPr>
+          <a:xfrm>
+            <a:off x="685800" y="1143000"/>
+            <a:ext cx="5486400" cy="3086100"/>
+          </a:xfrm>
+          <a:prstGeom prst="rect">
+            <a:avLst/>
+          </a:prstGeom>
+          <a:noFill/>
+          <a:ln w="12700">
+            <a:solidFill>
+              <a:prstClr val="black"/>
+            </a:solidFill>
+          </a:ln>
+        </p:spPr>
+        <p:txBody>
+          <a:bodyPr vert="horz" lIns="91440" tIns="45720" rIns="91440" bIns="45720" rtlCol="0" anchor="ctr"/>
+          <a:lstStyle/>
+          <a:p>
+            <a:endParaRPr lang="zh-CN" altLang="en-US"/>
+          </a:p>
+        </p:txBody>
+      </p:sp>
+      <p:sp>
+        <p:nvSpPr>
+          <p:cNvPr id="5" name="备注占位符 4"/>
+          <p:cNvSpPr>
+            <a:spLocks noGrp="1"/>
+          </p:cNvSpPr>
+          <p:nvPr>
+            <p:ph type="body" sz="quarter" idx="3"/>
+          </p:nvPr>
+        </p:nvSpPr>
+        <p:spPr>
+          <a:xfrm>
+            <a:off x="685800" y="4400550"/>
+            <a:ext cx="5486400" cy="3600450"/>
+          </a:xfrm>
+          <a:prstGeom prst="rect">
+            <a:avLst/>
+          </a:prstGeom>
+        </p:spPr>
+        <p:txBody>
+          <a:bodyPr vert="horz" lIns="91440" tIns="45720" rIns="91440" bIns="45720" rtlCol="0"/>
+          <a:lstStyle/>
+          <a:p>
+            <a:pPr lvl="0"/>
+            <a:r>
+              <a:rPr lang="zh-CN" altLang="en-US"/>
+              <a:t>单击此处编辑母版文本样式</a:t>
+            </a:r>
+          </a:p>
+          <a:p>
+            <a:pPr lvl="1"/>
+            <a:r>
+              <a:rPr lang="zh-CN" altLang="en-US"/>
+              <a:t>二级</a:t>
+            </a:r>
+          </a:p>
+          <a:p>
+            <a:pPr lvl="2"/>
+            <a:r>
+              <a:rPr lang="zh-CN" altLang="en-US"/>
+              <a:t>三级</a:t>
+            </a:r>
+          </a:p>
+          <a:p>
+            <a:pPr lvl="3"/>
+            <a:r>
+              <a:rPr lang="zh-CN" altLang="en-US"/>
+              <a:t>四级</a:t>
+            </a:r>
+          </a:p>
+          <a:p>
+            <a:pPr lvl="4"/>
+            <a:r>
+              <a:rPr lang="zh-CN" altLang="en-US"/>
+              <a:t>五级</a:t>
+            </a:r>
+          </a:p>
+        </p:txBody>
+      </p:sp>
+      <p:sp>
+        <p:nvSpPr>
+          <p:cNvPr id="6" name="页脚占位符 5"/>
+          <p:cNvSpPr>
+            <a:spLocks noGrp="1"/>
+          </p:cNvSpPr>
+          <p:nvPr>
+            <p:ph type="ftr" sz="quarter" idx="4"/>
+          </p:nvPr>
+        </p:nvSpPr>
+        <p:spPr>
+          <a:xfrm>
+            <a:off x="0" y="8685213"/>
+            <a:ext cx="2971800" cy="458787"/>
+          </a:xfrm>
+          <a:prstGeom prst="rect">
+            <a:avLst/>
+          </a:prstGeom>
+        </p:spPr>
+        <p:txBody>
+          <a:bodyPr vert="horz" lIns="91440" tIns="45720" rIns="91440" bIns="45720" rtlCol="0" anchor="b"/>
+          <a:lstStyle>
+            <a:lvl1pPr algn="l">
+              <a:defRPr sz="1200"/>
+            </a:lvl1pPr>
+          </a:lstStyle>
+          <a:p>
+            <a:endParaRPr lang="zh-CN" altLang="en-US"/>
+          </a:p>
+        </p:txBody>
+      </p:sp>
+      <p:sp>
+        <p:nvSpPr>
+          <p:cNvPr id="7" name="灯片编号占位符 6"/>
+          <p:cNvSpPr>
+            <a:spLocks noGrp="1"/>
+          </p:cNvSpPr>
+          <p:nvPr>
+            <p:ph type="sldNum" sz="quarter" idx="5"/>
+          </p:nvPr>
+        </p:nvSpPr>
+        <p:spPr>
+          <a:xfrm>
+            <a:off x="3884613" y="8685213"/>
+            <a:ext cx="2971800" cy="458787"/>
+          </a:xfrm>
+          <a:prstGeom prst="rect">
+            <a:avLst/>
+          </a:prstGeom>
+        </p:spPr>
+        <p:txBody>
+          <a:bodyPr vert="horz" lIns="91440" tIns="45720" rIns="91440" bIns="45720" rtlCol="0" anchor="b"/>
+          <a:lstStyle>
+            <a:lvl1pPr algn="r">
+              <a:defRPr sz="1200"/>
+            </a:lvl1pPr>
+          </a:lstStyle>
+          <a:p>
+            <a:fld id="{0946C8BD-97A8-4567-B582-5284B2DD7563}" type="slidenum">
+              <a:rPr lang="zh-CN" altLang="en-US" smtClean="0"/>
+              <a:t>‹#›</a:t>
+            </a:fld>
+            <a:endParaRPr lang="zh-CN" altLang="en-US"/>
+          </a:p>
+        </p:txBody>
+      </p:sp>
+    </p:spTree>
+    <p:extLst>
+      <p:ext uri="{BB962C8B-B14F-4D97-AF65-F5344CB8AC3E}">
+        <p14:creationId xmlns:p14="http://schemas.microsoft.com/office/powerpoint/2010/main" val="4159144913"/>
+      </p:ext>
+    </p:extLst>
+  </p:cSld>
+  <p:clrMap bg1="lt1" tx1="dk1" bg2="lt2" tx2="dk2" accent1="accent1" accent2="accent2" accent3="accent3" accent4="accent4" accent5="accent5" accent6="accent6" hlink="hlink" folHlink="folHlink"/>
+  <p:notesStyle>
+    <a:lvl1pPr marL="0" algn="l" defTabSz="914400" rtl="0" eaLnBrk="1" latinLnBrk="0" hangingPunct="1">
+      <a:defRPr sz="1200" kern="1200">
+        <a:solidFill>
+          <a:schemeClr val="tx1"/>
+        </a:solidFill>
+        <a:latin typeface="+mn-lt"/>
+        <a:ea typeface="+mn-ea"/>
+        <a:cs typeface="+mn-cs"/>
+      </a:defRPr>
+    </a:lvl1pPr>
+    <a:lvl2pPr marL="457200" algn="l" defTabSz="914400" rtl="0" eaLnBrk="1" latinLnBrk="0" hangingPunct="1">
+      <a:defRPr sz="1200" kern="1200">
+        <a:solidFill>
+          <a:schemeClr val="tx1"/>
+        </a:solidFill>
+        <a:latin typeface="+mn-lt"/>
+        <a:ea typeface="+mn-ea"/>
+        <a:cs typeface="+mn-cs"/>
+      </a:defRPr>
+    </a:lvl2pPr>
+    <a:lvl3pPr marL="914400" algn="l" defTabSz="914400" rtl="0" eaLnBrk="1" latinLnBrk="0" hangingPunct="1">
+      <a:defRPr sz="1200" kern="1200">
+        <a:solidFill>
+          <a:schemeClr val="tx1"/>
+        </a:solidFill>
+        <a:latin typeface="+mn-lt"/>
+        <a:ea typeface="+mn-ea"/>
+        <a:cs typeface="+mn-cs"/>
+      </a:defRPr>
+    </a:lvl3pPr>
+    <a:lvl4pPr marL="1371600" algn="l" defTabSz="914400" rtl="0" eaLnBrk="1" latinLnBrk="0" hangingPunct="1">
+      <a:defRPr sz="1200" kern="1200">
+        <a:solidFill>
+          <a:schemeClr val="tx1"/>
+        </a:solidFill>
+        <a:latin typeface="+mn-lt"/>
+        <a:ea typeface="+mn-ea"/>
+        <a:cs typeface="+mn-cs"/>
+      </a:defRPr>
+    </a:lvl4pPr>
+    <a:lvl5pPr marL="1828800" algn="l" defTabSz="914400" rtl="0" eaLnBrk="1" latinLnBrk="0" hangingPunct="1">
+      <a:defRPr sz="1200" kern="1200">
+        <a:solidFill>
+          <a:schemeClr val="tx1"/>
+        </a:solidFill>
+        <a:latin typeface="+mn-lt"/>
+        <a:ea typeface="+mn-ea"/>
+        <a:cs typeface="+mn-cs"/>
+      </a:defRPr>
+    </a:lvl5pPr>
+    <a:lvl6pPr marL="2286000" algn="l" defTabSz="914400" rtl="0" eaLnBrk="1" latinLnBrk="0" hangingPunct="1">
+      <a:defRPr sz="1200" kern="1200">
+        <a:solidFill>
+          <a:schemeClr val="tx1"/>
+        </a:solidFill>
+        <a:latin typeface="+mn-lt"/>
+        <a:ea typeface="+mn-ea"/>
+        <a:cs typeface="+mn-cs"/>
+      </a:defRPr>
+    </a:lvl6pPr>
+    <a:lvl7pPr marL="2743200" algn="l" defTabSz="914400" rtl="0" eaLnBrk="1" latinLnBrk="0" hangingPunct="1">
+      <a:defRPr sz="1200" kern="1200">
+        <a:solidFill>
+          <a:schemeClr val="tx1"/>
+        </a:solidFill>
+        <a:latin typeface="+mn-lt"/>
+        <a:ea typeface="+mn-ea"/>
+        <a:cs typeface="+mn-cs"/>
+      </a:defRPr>
+    </a:lvl7pPr>
+    <a:lvl8pPr marL="3200400" algn="l" defTabSz="914400" rtl="0" eaLnBrk="1" latinLnBrk="0" hangingPunct="1">
+      <a:defRPr sz="1200" kern="1200">
+        <a:solidFill>
+          <a:schemeClr val="tx1"/>
+        </a:solidFill>
+        <a:latin typeface="+mn-lt"/>
+        <a:ea typeface="+mn-ea"/>
+        <a:cs typeface="+mn-cs"/>
+      </a:defRPr>
+    </a:lvl8pPr>
+    <a:lvl9pPr marL="3657600" algn="l" defTabSz="914400" rtl="0" eaLnBrk="1" latinLnBrk="0" hangingPunct="1">
+      <a:defRPr sz="1200" kern="1200">
+        <a:solidFill>
+          <a:schemeClr val="tx1"/>
+        </a:solidFill>
+        <a:latin typeface="+mn-lt"/>
+        <a:ea typeface="+mn-ea"/>
+        <a:cs typeface="+mn-cs"/>
+      </a:defRPr>
+    </a:lvl9pPr>
+  </p:notesStyle>
+</p:notesMaster>
+</file>
+
+<file path=ppt/notesSlides/notesSlide1.xml><?xml version="1.0" encoding="utf-8"?>
+<p:notes xmlns:a="http://schemas.openxmlformats.org/drawingml/2006/main" xmlns:r="http://schemas.openxmlformats.org/officeDocument/2006/relationships" xmlns:p="http://schemas.openxmlformats.org/presentationml/2006/main">
+  <p:cSld>
+    <p:spTree>
+      <p:nvGrpSpPr>
+        <p:cNvPr id="1" name=""/>
+        <p:cNvGrpSpPr/>
+        <p:nvPr/>
+      </p:nvGrpSpPr>
+      <p:grpSpPr>
+        <a:xfrm>
+          <a:off x="0" y="0"/>
+          <a:ext cx="0" cy="0"/>
+          <a:chOff x="0" y="0"/>
+          <a:chExt cx="0" cy="0"/>
+        </a:xfrm>
+      </p:grpSpPr>
+      <p:sp>
+        <p:nvSpPr>
+          <p:cNvPr id="2" name="幻灯片图像占位符 1"/>
+          <p:cNvSpPr>
+            <a:spLocks noGrp="1" noRot="1" noChangeAspect="1"/>
+          </p:cNvSpPr>
+          <p:nvPr>
+            <p:ph type="sldImg"/>
+          </p:nvPr>
+        </p:nvSpPr>
+        <p:spPr/>
+      </p:sp>
+      <p:sp>
+        <p:nvSpPr>
+          <p:cNvPr id="3" name="备注占位符 2"/>
+          <p:cNvSpPr>
+            <a:spLocks noGrp="1"/>
+          </p:cNvSpPr>
+          <p:nvPr>
+            <p:ph type="body" idx="1"/>
+          </p:nvPr>
+        </p:nvSpPr>
+        <p:spPr/>
+        <p:txBody>
+          <a:bodyPr/>
+          <a:lstStyle/>
+          <a:p>
+            <a:endParaRPr lang="zh-CN" altLang="en-US" dirty="0"/>
+          </a:p>
+        </p:txBody>
+      </p:sp>
+      <p:sp>
+        <p:nvSpPr>
+          <p:cNvPr id="4" name="灯片编号占位符 3"/>
+          <p:cNvSpPr>
+            <a:spLocks noGrp="1"/>
+          </p:cNvSpPr>
+          <p:nvPr>
+            <p:ph type="sldNum" sz="quarter" idx="5"/>
+          </p:nvPr>
+        </p:nvSpPr>
+        <p:spPr/>
+        <p:txBody>
+          <a:bodyPr/>
+          <a:lstStyle/>
+          <a:p>
+            <a:fld id="{0946C8BD-97A8-4567-B582-5284B2DD7563}" type="slidenum">
+              <a:rPr lang="zh-CN" altLang="en-US" smtClean="0"/>
+              <a:t>2</a:t>
+            </a:fld>
+            <a:endParaRPr lang="zh-CN" altLang="en-US"/>
+          </a:p>
+        </p:txBody>
+      </p:sp>
+    </p:spTree>
+    <p:extLst>
+      <p:ext uri="{BB962C8B-B14F-4D97-AF65-F5344CB8AC3E}">
+        <p14:creationId xmlns:p14="http://schemas.microsoft.com/office/powerpoint/2010/main" val="1150511489"/>
+      </p:ext>
+    </p:extLst>
+  </p:cSld>
+  <p:clrMapOvr>
+    <a:masterClrMapping/>
+  </p:clrMapOvr>
+</p:notes>
+</file>
+
 <file path=ppt/slideLayouts/slideLayout1.xml><?xml version="1.0" encoding="utf-8"?>
 <p:sldLayout xmlns:a="http://schemas.openxmlformats.org/drawingml/2006/main" xmlns:r="http://schemas.openxmlformats.org/officeDocument/2006/relationships" xmlns:p="http://schemas.openxmlformats.org/presentationml/2006/main" type="title" preserve="1">
   <p:cSld name="标题幻灯片">
@@ -261,7 +697,7 @@
           <a:p>
             <a:fld id="{1661E091-44A1-427A-972C-2BEFE5CC5F69}" type="datetimeFigureOut">
               <a:rPr lang="zh-CN" altLang="en-US" smtClean="0"/>
-              <a:t>2022/1/19</a:t>
+              <a:t>2022/1/20</a:t>
             </a:fld>
             <a:endParaRPr lang="zh-CN" altLang="en-US"/>
           </a:p>
@@ -459,7 +895,7 @@
           <a:p>
             <a:fld id="{1661E091-44A1-427A-972C-2BEFE5CC5F69}" type="datetimeFigureOut">
               <a:rPr lang="zh-CN" altLang="en-US" smtClean="0"/>
-              <a:t>2022/1/19</a:t>
+              <a:t>2022/1/20</a:t>
             </a:fld>
             <a:endParaRPr lang="zh-CN" altLang="en-US"/>
           </a:p>
@@ -667,7 +1103,7 @@
           <a:p>
             <a:fld id="{1661E091-44A1-427A-972C-2BEFE5CC5F69}" type="datetimeFigureOut">
               <a:rPr lang="zh-CN" altLang="en-US" smtClean="0"/>
-              <a:t>2022/1/19</a:t>
+              <a:t>2022/1/20</a:t>
             </a:fld>
             <a:endParaRPr lang="zh-CN" altLang="en-US"/>
           </a:p>
@@ -865,7 +1301,7 @@
           <a:p>
             <a:fld id="{1661E091-44A1-427A-972C-2BEFE5CC5F69}" type="datetimeFigureOut">
               <a:rPr lang="zh-CN" altLang="en-US" smtClean="0"/>
-              <a:t>2022/1/19</a:t>
+              <a:t>2022/1/20</a:t>
             </a:fld>
             <a:endParaRPr lang="zh-CN" altLang="en-US"/>
           </a:p>
@@ -1140,7 +1576,7 @@
           <a:p>
             <a:fld id="{1661E091-44A1-427A-972C-2BEFE5CC5F69}" type="datetimeFigureOut">
               <a:rPr lang="zh-CN" altLang="en-US" smtClean="0"/>
-              <a:t>2022/1/19</a:t>
+              <a:t>2022/1/20</a:t>
             </a:fld>
             <a:endParaRPr lang="zh-CN" altLang="en-US"/>
           </a:p>
@@ -1405,7 +1841,7 @@
           <a:p>
             <a:fld id="{1661E091-44A1-427A-972C-2BEFE5CC5F69}" type="datetimeFigureOut">
               <a:rPr lang="zh-CN" altLang="en-US" smtClean="0"/>
-              <a:t>2022/1/19</a:t>
+              <a:t>2022/1/20</a:t>
             </a:fld>
             <a:endParaRPr lang="zh-CN" altLang="en-US"/>
           </a:p>
@@ -1817,7 +2253,7 @@
           <a:p>
             <a:fld id="{1661E091-44A1-427A-972C-2BEFE5CC5F69}" type="datetimeFigureOut">
               <a:rPr lang="zh-CN" altLang="en-US" smtClean="0"/>
-              <a:t>2022/1/19</a:t>
+              <a:t>2022/1/20</a:t>
             </a:fld>
             <a:endParaRPr lang="zh-CN" altLang="en-US"/>
           </a:p>
@@ -1958,7 +2394,7 @@
           <a:p>
             <a:fld id="{1661E091-44A1-427A-972C-2BEFE5CC5F69}" type="datetimeFigureOut">
               <a:rPr lang="zh-CN" altLang="en-US" smtClean="0"/>
-              <a:t>2022/1/19</a:t>
+              <a:t>2022/1/20</a:t>
             </a:fld>
             <a:endParaRPr lang="zh-CN" altLang="en-US"/>
           </a:p>
@@ -2071,7 +2507,7 @@
           <a:p>
             <a:fld id="{1661E091-44A1-427A-972C-2BEFE5CC5F69}" type="datetimeFigureOut">
               <a:rPr lang="zh-CN" altLang="en-US" smtClean="0"/>
-              <a:t>2022/1/19</a:t>
+              <a:t>2022/1/20</a:t>
             </a:fld>
             <a:endParaRPr lang="zh-CN" altLang="en-US"/>
           </a:p>
@@ -2382,7 +2818,7 @@
           <a:p>
             <a:fld id="{1661E091-44A1-427A-972C-2BEFE5CC5F69}" type="datetimeFigureOut">
               <a:rPr lang="zh-CN" altLang="en-US" smtClean="0"/>
-              <a:t>2022/1/19</a:t>
+              <a:t>2022/1/20</a:t>
             </a:fld>
             <a:endParaRPr lang="zh-CN" altLang="en-US"/>
           </a:p>
@@ -2670,7 +3106,7 @@
           <a:p>
             <a:fld id="{1661E091-44A1-427A-972C-2BEFE5CC5F69}" type="datetimeFigureOut">
               <a:rPr lang="zh-CN" altLang="en-US" smtClean="0"/>
-              <a:t>2022/1/19</a:t>
+              <a:t>2022/1/20</a:t>
             </a:fld>
             <a:endParaRPr lang="zh-CN" altLang="en-US"/>
           </a:p>
@@ -2911,7 +3347,7 @@
           <a:p>
             <a:fld id="{1661E091-44A1-427A-972C-2BEFE5CC5F69}" type="datetimeFigureOut">
               <a:rPr lang="zh-CN" altLang="en-US" smtClean="0"/>
-              <a:t>2022/1/19</a:t>
+              <a:t>2022/1/20</a:t>
             </a:fld>
             <a:endParaRPr lang="zh-CN" altLang="en-US"/>
           </a:p>
@@ -3649,7 +4085,7 @@
         </p:nvSpPr>
         <p:spPr>
           <a:xfrm>
-            <a:off x="0" y="3429000"/>
+            <a:off x="0" y="3176133"/>
             <a:ext cx="12192000" cy="3429000"/>
           </a:xfrm>
           <a:prstGeom prst="rect">
@@ -3675,7 +4111,7 @@
           <a:lstStyle/>
           <a:p>
             <a:pPr algn="ctr"/>
-            <a:endParaRPr lang="zh-CN" altLang="en-US"/>
+            <a:endParaRPr lang="zh-CN" altLang="en-US" dirty="0"/>
           </a:p>
         </p:txBody>
       </p:sp>
@@ -3738,14 +4174,14 @@
           <p:nvPr>
             <p:extLst>
               <p:ext uri="{D42A27DB-BD31-4B8C-83A1-F6EECF244321}">
-                <p14:modId xmlns:p14="http://schemas.microsoft.com/office/powerpoint/2010/main" val="878859190"/>
+                <p14:modId xmlns:p14="http://schemas.microsoft.com/office/powerpoint/2010/main" val="4266473611"/>
               </p:ext>
             </p:extLst>
           </p:nvPr>
         </p:nvGraphicFramePr>
         <p:xfrm>
-          <a:off x="85230" y="5435678"/>
-          <a:ext cx="5582899" cy="531656"/>
+          <a:off x="85230" y="5182811"/>
+          <a:ext cx="5798341" cy="531656"/>
         </p:xfrm>
         <a:graphic>
           <a:graphicData uri="http://schemas.openxmlformats.org/drawingml/2006/table">
@@ -3754,52 +4190,24 @@
                 <a:tableStyleId>{5C22544A-7EE6-4342-B048-85BDC9FD1C3A}</a:tableStyleId>
               </a:tblPr>
               <a:tblGrid>
-                <a:gridCol w="902847">
+                <a:gridCol w="1284468">
                   <a:extLst>
                     <a:ext uri="{9D8B030D-6E8A-4147-A177-3AD203B41FA5}">
                       <a16:colId xmlns:a16="http://schemas.microsoft.com/office/drawing/2014/main" val="3697381474"/>
                     </a:ext>
                   </a:extLst>
                 </a:gridCol>
-                <a:gridCol w="666101">
+                <a:gridCol w="1568493">
                   <a:extLst>
                     <a:ext uri="{9D8B030D-6E8A-4147-A177-3AD203B41FA5}">
                       <a16:colId xmlns:a16="http://schemas.microsoft.com/office/drawing/2014/main" val="2072068444"/>
                     </a:ext>
                   </a:extLst>
                 </a:gridCol>
-                <a:gridCol w="666101">
+                <a:gridCol w="2945380">
                   <a:extLst>
                     <a:ext uri="{9D8B030D-6E8A-4147-A177-3AD203B41FA5}">
-                      <a16:colId xmlns:a16="http://schemas.microsoft.com/office/drawing/2014/main" val="2319319325"/>
-                    </a:ext>
-                  </a:extLst>
-                </a:gridCol>
-                <a:gridCol w="766345">
-                  <a:extLst>
-                    <a:ext uri="{9D8B030D-6E8A-4147-A177-3AD203B41FA5}">
-                      <a16:colId xmlns:a16="http://schemas.microsoft.com/office/drawing/2014/main" val="2905865664"/>
-                    </a:ext>
-                  </a:extLst>
-                </a:gridCol>
-                <a:gridCol w="740551">
-                  <a:extLst>
-                    <a:ext uri="{9D8B030D-6E8A-4147-A177-3AD203B41FA5}">
-                      <a16:colId xmlns:a16="http://schemas.microsoft.com/office/drawing/2014/main" val="1187965722"/>
-                    </a:ext>
-                  </a:extLst>
-                </a:gridCol>
-                <a:gridCol w="920477">
-                  <a:extLst>
-                    <a:ext uri="{9D8B030D-6E8A-4147-A177-3AD203B41FA5}">
-                      <a16:colId xmlns:a16="http://schemas.microsoft.com/office/drawing/2014/main" val="2286529478"/>
-                    </a:ext>
-                  </a:extLst>
-                </a:gridCol>
-                <a:gridCol w="920477">
-                  <a:extLst>
-                    <a:ext uri="{9D8B030D-6E8A-4147-A177-3AD203B41FA5}">
-                      <a16:colId xmlns:a16="http://schemas.microsoft.com/office/drawing/2014/main" val="3157265900"/>
+                      <a16:colId xmlns:a16="http://schemas.microsoft.com/office/drawing/2014/main" val="2748582777"/>
                     </a:ext>
                   </a:extLst>
                 </a:gridCol>
@@ -3840,68 +4248,8 @@
                     <a:p>
                       <a:pPr algn="ctr"/>
                       <a:r>
-                        <a:rPr lang="en-US" altLang="zh-CN" sz="1100" dirty="0" err="1"/>
-                        <a:t>xmax</a:t>
-                      </a:r>
-                      <a:endParaRPr lang="zh-CN" altLang="en-US" sz="1100" dirty="0"/>
-                    </a:p>
-                  </a:txBody>
-                  <a:tcPr anchor="ctr"/>
-                </a:tc>
-                <a:tc>
-                  <a:txBody>
-                    <a:bodyPr/>
-                    <a:lstStyle/>
-                    <a:p>
-                      <a:pPr algn="ctr"/>
-                      <a:r>
-                        <a:rPr lang="en-US" altLang="zh-CN" sz="1100" dirty="0" err="1"/>
-                        <a:t>xmin</a:t>
-                      </a:r>
-                      <a:endParaRPr lang="zh-CN" altLang="en-US" sz="1100" dirty="0"/>
-                    </a:p>
-                  </a:txBody>
-                  <a:tcPr anchor="ctr"/>
-                </a:tc>
-                <a:tc>
-                  <a:txBody>
-                    <a:bodyPr/>
-                    <a:lstStyle/>
-                    <a:p>
-                      <a:pPr algn="ctr"/>
-                      <a:r>
-                        <a:rPr lang="en-US" altLang="zh-CN" sz="1100" dirty="0" err="1"/>
-                        <a:t>ymax</a:t>
-                      </a:r>
-                      <a:endParaRPr lang="zh-CN" altLang="en-US" sz="1100" dirty="0"/>
-                    </a:p>
-                  </a:txBody>
-                  <a:tcPr anchor="ctr"/>
-                </a:tc>
-                <a:tc>
-                  <a:txBody>
-                    <a:bodyPr/>
-                    <a:lstStyle/>
-                    <a:p>
-                      <a:pPr algn="ctr"/>
-                      <a:r>
-                        <a:rPr lang="en-US" altLang="zh-CN" sz="1100" dirty="0" err="1"/>
-                        <a:t>ymin</a:t>
-                      </a:r>
-                      <a:endParaRPr lang="zh-CN" altLang="en-US" sz="1100" dirty="0"/>
-                    </a:p>
-                  </a:txBody>
-                  <a:tcPr anchor="ctr"/>
-                </a:tc>
-                <a:tc>
-                  <a:txBody>
-                    <a:bodyPr/>
-                    <a:lstStyle/>
-                    <a:p>
-                      <a:pPr algn="ctr"/>
-                      <a:r>
                         <a:rPr lang="zh-CN" altLang="en-US" sz="1100" dirty="0"/>
-                        <a:t>角度</a:t>
+                        <a:t>置信度</a:t>
                       </a:r>
                     </a:p>
                   </a:txBody>
@@ -3950,50 +4298,14 @@
                     <a:lstStyle/>
                     <a:p>
                       <a:pPr algn="ctr"/>
-                      <a:endParaRPr lang="zh-CN" altLang="en-US" sz="1100" dirty="0"/>
-                    </a:p>
-                  </a:txBody>
-                  <a:tcPr anchor="ctr"/>
-                </a:tc>
-                <a:tc>
-                  <a:txBody>
-                    <a:bodyPr/>
-                    <a:lstStyle/>
-                    <a:p>
-                      <a:pPr algn="ctr"/>
-                      <a:endParaRPr lang="zh-CN" altLang="en-US" sz="1100" dirty="0"/>
-                    </a:p>
-                  </a:txBody>
-                  <a:tcPr anchor="ctr"/>
-                </a:tc>
-                <a:tc>
-                  <a:txBody>
-                    <a:bodyPr/>
-                    <a:lstStyle/>
-                    <a:p>
-                      <a:pPr algn="ctr"/>
-                      <a:endParaRPr lang="zh-CN" altLang="en-US" sz="1100" dirty="0"/>
-                    </a:p>
-                  </a:txBody>
-                  <a:tcPr anchor="ctr"/>
-                </a:tc>
-                <a:tc>
-                  <a:txBody>
-                    <a:bodyPr/>
-                    <a:lstStyle/>
-                    <a:p>
-                      <a:pPr algn="ctr"/>
-                      <a:endParaRPr lang="zh-CN" altLang="en-US" sz="1100" dirty="0"/>
-                    </a:p>
-                  </a:txBody>
-                  <a:tcPr anchor="ctr"/>
-                </a:tc>
-                <a:tc>
-                  <a:txBody>
-                    <a:bodyPr/>
-                    <a:lstStyle/>
-                    <a:p>
-                      <a:pPr algn="ctr"/>
+                      <a:r>
+                        <a:rPr lang="zh-CN" altLang="en-US" sz="1100" dirty="0"/>
+                        <a:t>正负</a:t>
+                      </a:r>
+                      <a:r>
+                        <a:rPr lang="en-US" altLang="zh-CN" sz="1100" dirty="0"/>
+                        <a:t>1</a:t>
+                      </a:r>
                       <a:endParaRPr lang="zh-CN" altLang="en-US" sz="1100" dirty="0"/>
                     </a:p>
                   </a:txBody>
@@ -4059,7 +4371,7 @@
           <p:nvPr>
             <p:extLst>
               <p:ext uri="{D42A27DB-BD31-4B8C-83A1-F6EECF244321}">
-                <p14:modId xmlns:p14="http://schemas.microsoft.com/office/powerpoint/2010/main" val="2062972522"/>
+                <p14:modId xmlns:p14="http://schemas.microsoft.com/office/powerpoint/2010/main" val="2708700674"/>
               </p:ext>
             </p:extLst>
           </p:nvPr>
@@ -4477,8 +4789,8 @@
         </p:nvSpPr>
         <p:spPr>
           <a:xfrm>
-            <a:off x="85230" y="4984326"/>
-            <a:ext cx="2239828" cy="369332"/>
+            <a:off x="85230" y="4731459"/>
+            <a:ext cx="2212257" cy="369332"/>
           </a:xfrm>
           <a:prstGeom prst="rect">
             <a:avLst/>
@@ -4702,7 +5014,7 @@
         </p:nvSpPr>
         <p:spPr>
           <a:xfrm>
-            <a:off x="85229" y="3892346"/>
+            <a:off x="85229" y="3639479"/>
             <a:ext cx="2362200" cy="369332"/>
           </a:xfrm>
           <a:prstGeom prst="rect">
@@ -4738,13 +5050,13 @@
           <p:nvPr>
             <p:extLst>
               <p:ext uri="{D42A27DB-BD31-4B8C-83A1-F6EECF244321}">
-                <p14:modId xmlns:p14="http://schemas.microsoft.com/office/powerpoint/2010/main" val="417344168"/>
+                <p14:modId xmlns:p14="http://schemas.microsoft.com/office/powerpoint/2010/main" val="131322922"/>
               </p:ext>
             </p:extLst>
           </p:nvPr>
         </p:nvGraphicFramePr>
         <p:xfrm>
-          <a:off x="183750" y="4273697"/>
+          <a:off x="183750" y="4020830"/>
           <a:ext cx="11175028" cy="525191"/>
         </p:xfrm>
         <a:graphic>
@@ -5331,7 +5643,7 @@
         </p:nvSpPr>
         <p:spPr>
           <a:xfrm>
-            <a:off x="15150" y="3513560"/>
+            <a:off x="15150" y="3260693"/>
             <a:ext cx="2432279" cy="369332"/>
           </a:xfrm>
           <a:prstGeom prst="rect">
@@ -5352,187 +5664,6 @@
           </a:p>
         </p:txBody>
       </p:sp>
-      <p:sp>
-        <p:nvSpPr>
-          <p:cNvPr id="19" name="文本框 18">
-            <a:extLst>
-              <a:ext uri="{FF2B5EF4-FFF2-40B4-BE49-F238E27FC236}">
-                <a16:creationId xmlns:a16="http://schemas.microsoft.com/office/drawing/2014/main" id="{15ABA831-5F16-4D65-A6CB-CBCBF4C9E230}"/>
-              </a:ext>
-            </a:extLst>
-          </p:cNvPr>
-          <p:cNvSpPr txBox="1"/>
-          <p:nvPr/>
-        </p:nvSpPr>
-        <p:spPr>
-          <a:xfrm>
-            <a:off x="6613942" y="5613054"/>
-            <a:ext cx="2094655" cy="369332"/>
-          </a:xfrm>
-          <a:prstGeom prst="rect">
-            <a:avLst/>
-          </a:prstGeom>
-          <a:noFill/>
-        </p:spPr>
-        <p:txBody>
-          <a:bodyPr wrap="square" rtlCol="0">
-            <a:spAutoFit/>
-          </a:bodyPr>
-          <a:lstStyle/>
-          <a:p>
-            <a:r>
-              <a:rPr lang="zh-CN" altLang="en-US" b="1" dirty="0"/>
-              <a:t>表名：特殊标注表</a:t>
-            </a:r>
-          </a:p>
-        </p:txBody>
-      </p:sp>
-      <p:graphicFrame>
-        <p:nvGraphicFramePr>
-          <p:cNvPr id="20" name="表格 5">
-            <a:extLst>
-              <a:ext uri="{FF2B5EF4-FFF2-40B4-BE49-F238E27FC236}">
-                <a16:creationId xmlns:a16="http://schemas.microsoft.com/office/drawing/2014/main" id="{8CE96381-5551-4963-8414-9A78C02B5822}"/>
-              </a:ext>
-            </a:extLst>
-          </p:cNvPr>
-          <p:cNvGraphicFramePr>
-            <a:graphicFrameLocks noGrp="1"/>
-          </p:cNvGraphicFramePr>
-          <p:nvPr>
-            <p:extLst>
-              <p:ext uri="{D42A27DB-BD31-4B8C-83A1-F6EECF244321}">
-                <p14:modId xmlns:p14="http://schemas.microsoft.com/office/powerpoint/2010/main" val="698627357"/>
-              </p:ext>
-            </p:extLst>
-          </p:nvPr>
-        </p:nvGraphicFramePr>
-        <p:xfrm>
-          <a:off x="6734797" y="5967334"/>
-          <a:ext cx="2526173" cy="531656"/>
-        </p:xfrm>
-        <a:graphic>
-          <a:graphicData uri="http://schemas.openxmlformats.org/drawingml/2006/table">
-            <a:tbl>
-              <a:tblPr firstRow="1" bandRow="1">
-                <a:tableStyleId>{5C22544A-7EE6-4342-B048-85BDC9FD1C3A}</a:tableStyleId>
-              </a:tblPr>
-              <a:tblGrid>
-                <a:gridCol w="832627">
-                  <a:extLst>
-                    <a:ext uri="{9D8B030D-6E8A-4147-A177-3AD203B41FA5}">
-                      <a16:colId xmlns:a16="http://schemas.microsoft.com/office/drawing/2014/main" val="3697381474"/>
-                    </a:ext>
-                  </a:extLst>
-                </a:gridCol>
-                <a:gridCol w="846773">
-                  <a:extLst>
-                    <a:ext uri="{9D8B030D-6E8A-4147-A177-3AD203B41FA5}">
-                      <a16:colId xmlns:a16="http://schemas.microsoft.com/office/drawing/2014/main" val="718029833"/>
-                    </a:ext>
-                  </a:extLst>
-                </a:gridCol>
-                <a:gridCol w="846773">
-                  <a:extLst>
-                    <a:ext uri="{9D8B030D-6E8A-4147-A177-3AD203B41FA5}">
-                      <a16:colId xmlns:a16="http://schemas.microsoft.com/office/drawing/2014/main" val="851649452"/>
-                    </a:ext>
-                  </a:extLst>
-                </a:gridCol>
-              </a:tblGrid>
-              <a:tr h="272576">
-                <a:tc>
-                  <a:txBody>
-                    <a:bodyPr/>
-                    <a:lstStyle/>
-                    <a:p>
-                      <a:pPr algn="ctr"/>
-                      <a:r>
-                        <a:rPr lang="zh-CN" altLang="en-US" sz="1100" dirty="0"/>
-                        <a:t>唯一编码</a:t>
-                      </a:r>
-                    </a:p>
-                  </a:txBody>
-                  <a:tcPr anchor="ctr"/>
-                </a:tc>
-                <a:tc>
-                  <a:txBody>
-                    <a:bodyPr/>
-                    <a:lstStyle/>
-                    <a:p>
-                      <a:pPr algn="ctr"/>
-                      <a:r>
-                        <a:rPr lang="zh-CN" altLang="en-US" sz="1100" dirty="0"/>
-                        <a:t>特殊标签</a:t>
-                      </a:r>
-                    </a:p>
-                  </a:txBody>
-                  <a:tcPr anchor="ctr"/>
-                </a:tc>
-                <a:tc>
-                  <a:txBody>
-                    <a:bodyPr/>
-                    <a:lstStyle/>
-                    <a:p>
-                      <a:pPr algn="ctr"/>
-                      <a:r>
-                        <a:rPr lang="zh-CN" altLang="en-US" sz="1100" dirty="0"/>
-                        <a:t>标注逻辑</a:t>
-                      </a:r>
-                    </a:p>
-                  </a:txBody>
-                  <a:tcPr anchor="ctr"/>
-                </a:tc>
-                <a:extLst>
-                  <a:ext uri="{0D108BD9-81ED-4DB2-BD59-A6C34878D82A}">
-                    <a16:rowId xmlns:a16="http://schemas.microsoft.com/office/drawing/2014/main" val="899981900"/>
-                  </a:ext>
-                </a:extLst>
-              </a:tr>
-              <a:tr h="0">
-                <a:tc>
-                  <a:txBody>
-                    <a:bodyPr/>
-                    <a:lstStyle/>
-                    <a:p>
-                      <a:pPr algn="ctr"/>
-                      <a:endParaRPr lang="zh-CN" altLang="en-US" sz="1100" dirty="0"/>
-                    </a:p>
-                  </a:txBody>
-                  <a:tcPr anchor="ctr"/>
-                </a:tc>
-                <a:tc>
-                  <a:txBody>
-                    <a:bodyPr/>
-                    <a:lstStyle/>
-                    <a:p>
-                      <a:pPr algn="ctr"/>
-                      <a:endParaRPr lang="zh-CN" altLang="en-US" sz="1100" dirty="0"/>
-                    </a:p>
-                  </a:txBody>
-                  <a:tcPr anchor="ctr"/>
-                </a:tc>
-                <a:tc>
-                  <a:txBody>
-                    <a:bodyPr/>
-                    <a:lstStyle/>
-                    <a:p>
-                      <a:pPr algn="ctr"/>
-                      <a:endParaRPr lang="zh-CN" altLang="en-US" sz="1100" dirty="0"/>
-                    </a:p>
-                  </a:txBody>
-                  <a:tcPr anchor="ctr"/>
-                </a:tc>
-                <a:extLst>
-                  <a:ext uri="{0D108BD9-81ED-4DB2-BD59-A6C34878D82A}">
-                    <a16:rowId xmlns:a16="http://schemas.microsoft.com/office/drawing/2014/main" val="2943364964"/>
-                  </a:ext>
-                </a:extLst>
-              </a:tr>
-            </a:tbl>
-          </a:graphicData>
-        </a:graphic>
-      </p:graphicFrame>
       <p:sp>
         <p:nvSpPr>
           <p:cNvPr id="21" name="文本框 20">
@@ -5580,50 +5711,6 @@
               <a:rPr lang="zh-CN" altLang="en-US" dirty="0"/>
               <a:t>：标签信息表。需要手动添加。</a:t>
             </a:r>
-          </a:p>
-        </p:txBody>
-      </p:sp>
-      <p:sp>
-        <p:nvSpPr>
-          <p:cNvPr id="23" name="文本框 22">
-            <a:extLst>
-              <a:ext uri="{FF2B5EF4-FFF2-40B4-BE49-F238E27FC236}">
-                <a16:creationId xmlns:a16="http://schemas.microsoft.com/office/drawing/2014/main" id="{606616C3-B376-448B-820F-05EBD56E7519}"/>
-              </a:ext>
-            </a:extLst>
-          </p:cNvPr>
-          <p:cNvSpPr txBox="1"/>
-          <p:nvPr/>
-        </p:nvSpPr>
-        <p:spPr>
-          <a:xfrm>
-            <a:off x="85229" y="6049354"/>
-            <a:ext cx="5470096" cy="646331"/>
-          </a:xfrm>
-          <a:prstGeom prst="rect">
-            <a:avLst/>
-          </a:prstGeom>
-          <a:noFill/>
-        </p:spPr>
-        <p:txBody>
-          <a:bodyPr wrap="square">
-            <a:spAutoFit/>
-          </a:bodyPr>
-          <a:lstStyle/>
-          <a:p>
-            <a:r>
-              <a:rPr lang="zh-CN" altLang="en-US" b="1" dirty="0"/>
-              <a:t>记录了每一张图的每一个物体的标签，角度默认为</a:t>
-            </a:r>
-            <a:r>
-              <a:rPr lang="en-US" altLang="zh-CN" b="1" dirty="0"/>
-              <a:t>0</a:t>
-            </a:r>
-            <a:r>
-              <a:rPr lang="zh-CN" altLang="en-US" b="1" dirty="0"/>
-              <a:t>，默认正框。如果是斜框，则角度值非零。</a:t>
-            </a:r>
-            <a:endParaRPr lang="zh-CN" altLang="en-US" dirty="0"/>
           </a:p>
         </p:txBody>
       </p:sp>
@@ -5657,6 +5744,146 @@
           <a:chExt cx="0" cy="0"/>
         </a:xfrm>
       </p:grpSpPr>
+      <p:sp>
+        <p:nvSpPr>
+          <p:cNvPr id="3" name="文本框 2">
+            <a:extLst>
+              <a:ext uri="{FF2B5EF4-FFF2-40B4-BE49-F238E27FC236}">
+                <a16:creationId xmlns:a16="http://schemas.microsoft.com/office/drawing/2014/main" id="{5D64FBDF-E28F-48E8-A049-1233D741EBE8}"/>
+              </a:ext>
+            </a:extLst>
+          </p:cNvPr>
+          <p:cNvSpPr txBox="1"/>
+          <p:nvPr/>
+        </p:nvSpPr>
+        <p:spPr>
+          <a:xfrm>
+            <a:off x="716815" y="358408"/>
+            <a:ext cx="10871712" cy="3139321"/>
+          </a:xfrm>
+          <a:prstGeom prst="rect">
+            <a:avLst/>
+          </a:prstGeom>
+          <a:noFill/>
+        </p:spPr>
+        <p:txBody>
+          <a:bodyPr wrap="square" rtlCol="0">
+            <a:spAutoFit/>
+          </a:bodyPr>
+          <a:lstStyle/>
+          <a:p>
+            <a:r>
+              <a:rPr lang="zh-CN" altLang="en-US" dirty="0"/>
+              <a:t>一些注意事项</a:t>
+            </a:r>
+            <a:endParaRPr lang="en-US" altLang="zh-CN" dirty="0"/>
+          </a:p>
+          <a:p>
+            <a:endParaRPr lang="en-US" altLang="zh-CN" dirty="0"/>
+          </a:p>
+          <a:p>
+            <a:r>
+              <a:rPr lang="en-US" altLang="zh-CN" dirty="0"/>
+              <a:t>1</a:t>
+            </a:r>
+            <a:r>
+              <a:rPr lang="zh-CN" altLang="en-US" dirty="0"/>
+              <a:t>、</a:t>
+            </a:r>
+            <a:r>
+              <a:rPr lang="en-US" altLang="zh-CN" dirty="0"/>
+              <a:t>MySQL</a:t>
+            </a:r>
+            <a:r>
+              <a:rPr lang="zh-CN" altLang="en-US" dirty="0"/>
+              <a:t>不区分大小写。原则上，所有字段名均为大写。</a:t>
+            </a:r>
+            <a:endParaRPr lang="en-US" altLang="zh-CN" dirty="0"/>
+          </a:p>
+          <a:p>
+            <a:endParaRPr lang="en-US" altLang="zh-CN" dirty="0"/>
+          </a:p>
+          <a:p>
+            <a:r>
+              <a:rPr lang="en-US" altLang="zh-CN" dirty="0"/>
+              <a:t>2</a:t>
+            </a:r>
+            <a:r>
+              <a:rPr lang="zh-CN" altLang="en-US" dirty="0"/>
+              <a:t>、为了易读性，除非有通用性的明确英文对应，否则应尽量使用中文。</a:t>
+            </a:r>
+            <a:endParaRPr lang="en-US" altLang="zh-CN" dirty="0"/>
+          </a:p>
+          <a:p>
+            <a:endParaRPr lang="en-US" altLang="zh-CN" dirty="0"/>
+          </a:p>
+          <a:p>
+            <a:r>
+              <a:rPr lang="en-US" altLang="zh-CN" dirty="0"/>
+              <a:t>3</a:t>
+            </a:r>
+            <a:r>
+              <a:rPr lang="zh-CN" altLang="en-US" dirty="0"/>
+              <a:t>、为性能计，所有字符串，优先使用</a:t>
+            </a:r>
+            <a:r>
+              <a:rPr lang="en-US" altLang="zh-CN" dirty="0"/>
+              <a:t>CHAR</a:t>
+            </a:r>
+            <a:r>
+              <a:rPr lang="zh-CN" altLang="en-US" dirty="0"/>
+              <a:t>类型，实在不行了再用</a:t>
+            </a:r>
+            <a:r>
+              <a:rPr lang="en-US" altLang="zh-CN" dirty="0"/>
+              <a:t>VARCHAR</a:t>
+            </a:r>
+          </a:p>
+          <a:p>
+            <a:endParaRPr lang="en-US" altLang="zh-CN" dirty="0"/>
+          </a:p>
+          <a:p>
+            <a:r>
+              <a:rPr lang="en-US" altLang="zh-CN" dirty="0"/>
+              <a:t>4</a:t>
+            </a:r>
+            <a:r>
+              <a:rPr lang="zh-CN" altLang="en-US" dirty="0"/>
+              <a:t>、所有</a:t>
+            </a:r>
+            <a:r>
+              <a:rPr lang="en-US" altLang="zh-CN" dirty="0"/>
+              <a:t>CREATE</a:t>
+            </a:r>
+            <a:r>
+              <a:rPr lang="zh-CN" altLang="en-US" dirty="0"/>
+              <a:t>操作一律使用</a:t>
+            </a:r>
+            <a:r>
+              <a:rPr lang="en-US" altLang="zh-CN" dirty="0"/>
+              <a:t>SQL</a:t>
+            </a:r>
+            <a:r>
+              <a:rPr lang="zh-CN" altLang="en-US" dirty="0"/>
+              <a:t>代码实现，禁止使用可视化操作，避免出现默认的未知约数。</a:t>
+            </a:r>
+            <a:endParaRPr lang="en-US" altLang="zh-CN" dirty="0"/>
+          </a:p>
+          <a:p>
+            <a:endParaRPr lang="en-US" altLang="zh-CN" dirty="0"/>
+          </a:p>
+          <a:p>
+            <a:r>
+              <a:rPr lang="en-US" altLang="zh-CN" dirty="0"/>
+              <a:t>5</a:t>
+            </a:r>
+            <a:r>
+              <a:rPr lang="zh-CN" altLang="en-US" dirty="0"/>
+              <a:t>、唯一的字段必须使用唯一约束，常用索引优先使用主键约束。</a:t>
+            </a:r>
+          </a:p>
+        </p:txBody>
+      </p:sp>
     </p:spTree>
     <p:extLst>
       <p:ext uri="{BB962C8B-B14F-4D97-AF65-F5344CB8AC3E}">
@@ -5963,4 +6190,299 @@
     </a:ext>
   </a:extLst>
 </a:theme>
+</file>
+
+<file path=ppt/theme/theme2.xml><?xml version="1.0" encoding="utf-8"?>
+<a:theme xmlns:a="http://schemas.openxmlformats.org/drawingml/2006/main" name="Office 主题​​">
+  <a:themeElements>
+    <a:clrScheme name="Office">
+      <a:dk1>
+        <a:sysClr val="windowText" lastClr="000000"/>
+      </a:dk1>
+      <a:lt1>
+        <a:sysClr val="window" lastClr="FFFFFF"/>
+      </a:lt1>
+      <a:dk2>
+        <a:srgbClr val="44546A"/>
+      </a:dk2>
+      <a:lt2>
+        <a:srgbClr val="E7E6E6"/>
+      </a:lt2>
+      <a:accent1>
+        <a:srgbClr val="4472C4"/>
+      </a:accent1>
+      <a:accent2>
+        <a:srgbClr val="ED7D31"/>
+      </a:accent2>
+      <a:accent3>
+        <a:srgbClr val="A5A5A5"/>
+      </a:accent3>
+      <a:accent4>
+        <a:srgbClr val="FFC000"/>
+      </a:accent4>
+      <a:accent5>
+        <a:srgbClr val="5B9BD5"/>
+      </a:accent5>
+      <a:accent6>
+        <a:srgbClr val="70AD47"/>
+      </a:accent6>
+      <a:hlink>
+        <a:srgbClr val="0563C1"/>
+      </a:hlink>
+      <a:folHlink>
+        <a:srgbClr val="954F72"/>
+      </a:folHlink>
+    </a:clrScheme>
+    <a:fontScheme name="Office">
+      <a:majorFont>
+        <a:latin typeface="等线 Light" panose="020F0302020204030204"/>
+        <a:ea typeface=""/>
+        <a:cs typeface=""/>
+        <a:font script="Jpan" typeface="游ゴシック Light"/>
+        <a:font script="Hang" typeface="맑은 고딕"/>
+        <a:font script="Hans" typeface="等线 Light"/>
+        <a:font script="Hant" typeface="新細明體"/>
+        <a:font script="Arab" typeface="Times New Roman"/>
+        <a:font script="Hebr" typeface="Times New Roman"/>
+        <a:font script="Thai" typeface="Angsana New"/>
+        <a:font script="Ethi" typeface="Nyala"/>
+        <a:font script="Beng" typeface="Vrinda"/>
+        <a:font script="Gujr" typeface="Shruti"/>
+        <a:font script="Khmr" typeface="MoolBoran"/>
+        <a:font script="Knda" typeface="Tunga"/>
+        <a:font script="Guru" typeface="Raavi"/>
+        <a:font script="Cans" typeface="Euphemia"/>
+        <a:font script="Cher" typeface="Plantagenet Cherokee"/>
+        <a:font script="Yiii" typeface="Microsoft Yi Baiti"/>
+        <a:font script="Tibt" typeface="Microsoft Himalaya"/>
+        <a:font script="Thaa" typeface="MV Boli"/>
+        <a:font script="Deva" typeface="Mangal"/>
+        <a:font script="Telu" typeface="Gautami"/>
+        <a:font script="Taml" typeface="Latha"/>
+        <a:font script="Syrc" typeface="Estrangelo Edessa"/>
+        <a:font script="Orya" typeface="Kalinga"/>
+        <a:font script="Mlym" typeface="Kartika"/>
+        <a:font script="Laoo" typeface="DokChampa"/>
+        <a:font script="Sinh" typeface="Iskoola Pota"/>
+        <a:font script="Mong" typeface="Mongolian Baiti"/>
+        <a:font script="Viet" typeface="Times New Roman"/>
+        <a:font script="Uigh" typeface="Microsoft Uighur"/>
+        <a:font script="Geor" typeface="Sylfaen"/>
+        <a:font script="Armn" typeface="Arial"/>
+        <a:font script="Bugi" typeface="Leelawadee UI"/>
+        <a:font script="Bopo" typeface="Microsoft JhengHei"/>
+        <a:font script="Java" typeface="Javanese Text"/>
+        <a:font script="Lisu" typeface="Segoe UI"/>
+        <a:font script="Mymr" typeface="Myanmar Text"/>
+        <a:font script="Nkoo" typeface="Ebrima"/>
+        <a:font script="Olck" typeface="Nirmala UI"/>
+        <a:font script="Osma" typeface="Ebrima"/>
+        <a:font script="Phag" typeface="Phagspa"/>
+        <a:font script="Syrn" typeface="Estrangelo Edessa"/>
+        <a:font script="Syrj" typeface="Estrangelo Edessa"/>
+        <a:font script="Syre" typeface="Estrangelo Edessa"/>
+        <a:font script="Sora" typeface="Nirmala UI"/>
+        <a:font script="Tale" typeface="Microsoft Tai Le"/>
+        <a:font script="Talu" typeface="Microsoft New Tai Lue"/>
+        <a:font script="Tfng" typeface="Ebrima"/>
+      </a:majorFont>
+      <a:minorFont>
+        <a:latin typeface="等线" panose="020F0502020204030204"/>
+        <a:ea typeface=""/>
+        <a:cs typeface=""/>
+        <a:font script="Jpan" typeface="游ゴシック"/>
+        <a:font script="Hang" typeface="맑은 고딕"/>
+        <a:font script="Hans" typeface="等线"/>
+        <a:font script="Hant" typeface="新細明體"/>
+        <a:font script="Arab" typeface="Arial"/>
+        <a:font script="Hebr" typeface="Arial"/>
+        <a:font script="Thai" typeface="Cordia New"/>
+        <a:font script="Ethi" typeface="Nyala"/>
+        <a:font script="Beng" typeface="Vrinda"/>
+        <a:font script="Gujr" typeface="Shruti"/>
+        <a:font script="Khmr" typeface="DaunPenh"/>
+        <a:font script="Knda" typeface="Tunga"/>
+        <a:font script="Guru" typeface="Raavi"/>
+        <a:font script="Cans" typeface="Euphemia"/>
+        <a:font script="Cher" typeface="Plantagenet Cherokee"/>
+        <a:font script="Yiii" typeface="Microsoft Yi Baiti"/>
+        <a:font script="Tibt" typeface="Microsoft Himalaya"/>
+        <a:font script="Thaa" typeface="MV Boli"/>
+        <a:font script="Deva" typeface="Mangal"/>
+        <a:font script="Telu" typeface="Gautami"/>
+        <a:font script="Taml" typeface="Latha"/>
+        <a:font script="Syrc" typeface="Estrangelo Edessa"/>
+        <a:font script="Orya" typeface="Kalinga"/>
+        <a:font script="Mlym" typeface="Kartika"/>
+        <a:font script="Laoo" typeface="DokChampa"/>
+        <a:font script="Sinh" typeface="Iskoola Pota"/>
+        <a:font script="Mong" typeface="Mongolian Baiti"/>
+        <a:font script="Viet" typeface="Arial"/>
+        <a:font script="Uigh" typeface="Microsoft Uighur"/>
+        <a:font script="Geor" typeface="Sylfaen"/>
+        <a:font script="Armn" typeface="Arial"/>
+        <a:font script="Bugi" typeface="Leelawadee UI"/>
+        <a:font script="Bopo" typeface="Microsoft JhengHei"/>
+        <a:font script="Java" typeface="Javanese Text"/>
+        <a:font script="Lisu" typeface="Segoe UI"/>
+        <a:font script="Mymr" typeface="Myanmar Text"/>
+        <a:font script="Nkoo" typeface="Ebrima"/>
+        <a:font script="Olck" typeface="Nirmala UI"/>
+        <a:font script="Osma" typeface="Ebrima"/>
+        <a:font script="Phag" typeface="Phagspa"/>
+        <a:font script="Syrn" typeface="Estrangelo Edessa"/>
+        <a:font script="Syrj" typeface="Estrangelo Edessa"/>
+        <a:font script="Syre" typeface="Estrangelo Edessa"/>
+        <a:font script="Sora" typeface="Nirmala UI"/>
+        <a:font script="Tale" typeface="Microsoft Tai Le"/>
+        <a:font script="Talu" typeface="Microsoft New Tai Lue"/>
+        <a:font script="Tfng" typeface="Ebrima"/>
+      </a:minorFont>
+    </a:fontScheme>
+    <a:fmtScheme name="Office">
+      <a:fillStyleLst>
+        <a:solidFill>
+          <a:schemeClr val="phClr"/>
+        </a:solidFill>
+        <a:gradFill rotWithShape="1">
+          <a:gsLst>
+            <a:gs pos="0">
+              <a:schemeClr val="phClr">
+                <a:lumMod val="110000"/>
+                <a:satMod val="105000"/>
+                <a:tint val="67000"/>
+              </a:schemeClr>
+            </a:gs>
+            <a:gs pos="50000">
+              <a:schemeClr val="phClr">
+                <a:lumMod val="105000"/>
+                <a:satMod val="103000"/>
+                <a:tint val="73000"/>
+              </a:schemeClr>
+            </a:gs>
+            <a:gs pos="100000">
+              <a:schemeClr val="phClr">
+                <a:lumMod val="105000"/>
+                <a:satMod val="109000"/>
+                <a:tint val="81000"/>
+              </a:schemeClr>
+            </a:gs>
+          </a:gsLst>
+          <a:lin ang="5400000" scaled="0"/>
+        </a:gradFill>
+        <a:gradFill rotWithShape="1">
+          <a:gsLst>
+            <a:gs pos="0">
+              <a:schemeClr val="phClr">
+                <a:satMod val="103000"/>
+                <a:lumMod val="102000"/>
+                <a:tint val="94000"/>
+              </a:schemeClr>
+            </a:gs>
+            <a:gs pos="50000">
+              <a:schemeClr val="phClr">
+                <a:satMod val="110000"/>
+                <a:lumMod val="100000"/>
+                <a:shade val="100000"/>
+              </a:schemeClr>
+            </a:gs>
+            <a:gs pos="100000">
+              <a:schemeClr val="phClr">
+                <a:lumMod val="99000"/>
+                <a:satMod val="120000"/>
+                <a:shade val="78000"/>
+              </a:schemeClr>
+            </a:gs>
+          </a:gsLst>
+          <a:lin ang="5400000" scaled="0"/>
+        </a:gradFill>
+      </a:fillStyleLst>
+      <a:lnStyleLst>
+        <a:ln w="6350" cap="flat" cmpd="sng" algn="ctr">
+          <a:solidFill>
+            <a:schemeClr val="phClr"/>
+          </a:solidFill>
+          <a:prstDash val="solid"/>
+          <a:miter lim="800000"/>
+        </a:ln>
+        <a:ln w="12700" cap="flat" cmpd="sng" algn="ctr">
+          <a:solidFill>
+            <a:schemeClr val="phClr"/>
+          </a:solidFill>
+          <a:prstDash val="solid"/>
+          <a:miter lim="800000"/>
+        </a:ln>
+        <a:ln w="19050" cap="flat" cmpd="sng" algn="ctr">
+          <a:solidFill>
+            <a:schemeClr val="phClr"/>
+          </a:solidFill>
+          <a:prstDash val="solid"/>
+          <a:miter lim="800000"/>
+        </a:ln>
+      </a:lnStyleLst>
+      <a:effectStyleLst>
+        <a:effectStyle>
+          <a:effectLst/>
+        </a:effectStyle>
+        <a:effectStyle>
+          <a:effectLst/>
+        </a:effectStyle>
+        <a:effectStyle>
+          <a:effectLst>
+            <a:outerShdw blurRad="57150" dist="19050" dir="5400000" algn="ctr" rotWithShape="0">
+              <a:srgbClr val="000000">
+                <a:alpha val="63000"/>
+              </a:srgbClr>
+            </a:outerShdw>
+          </a:effectLst>
+        </a:effectStyle>
+      </a:effectStyleLst>
+      <a:bgFillStyleLst>
+        <a:solidFill>
+          <a:schemeClr val="phClr"/>
+        </a:solidFill>
+        <a:solidFill>
+          <a:schemeClr val="phClr">
+            <a:tint val="95000"/>
+            <a:satMod val="170000"/>
+          </a:schemeClr>
+        </a:solidFill>
+        <a:gradFill rotWithShape="1">
+          <a:gsLst>
+            <a:gs pos="0">
+              <a:schemeClr val="phClr">
+                <a:tint val="93000"/>
+                <a:satMod val="150000"/>
+                <a:shade val="98000"/>
+                <a:lumMod val="102000"/>
+              </a:schemeClr>
+            </a:gs>
+            <a:gs pos="50000">
+              <a:schemeClr val="phClr">
+                <a:tint val="98000"/>
+                <a:satMod val="130000"/>
+                <a:shade val="90000"/>
+                <a:lumMod val="103000"/>
+              </a:schemeClr>
+            </a:gs>
+            <a:gs pos="100000">
+              <a:schemeClr val="phClr">
+                <a:shade val="63000"/>
+                <a:satMod val="120000"/>
+              </a:schemeClr>
+            </a:gs>
+          </a:gsLst>
+          <a:lin ang="5400000" scaled="0"/>
+        </a:gradFill>
+      </a:bgFillStyleLst>
+    </a:fmtScheme>
+  </a:themeElements>
+  <a:objectDefaults/>
+  <a:extraClrSchemeLst/>
+  <a:extLst>
+    <a:ext uri="{05A4C25C-085E-4340-85A3-A5531E510DB2}">
+      <thm15:themeFamily xmlns:thm15="http://schemas.microsoft.com/office/thememl/2012/main" name="Office Theme" id="{62F939B6-93AF-4DB8-9C6B-D6C7DFDC589F}" vid="{4A3C46E8-61CC-4603-A589-7422A47A8E4A}"/>
+    </a:ext>
+  </a:extLst>
+</a:theme>
 </file>
--- a/docs/表结构说明.pptx
+++ b/docs/表结构说明.pptx
@@ -4805,7 +4805,7 @@
           <a:p>
             <a:r>
               <a:rPr lang="zh-CN" altLang="en-US" b="1" dirty="0"/>
-              <a:t>表名：大类标注表</a:t>
+              <a:t>表名：目标标注表</a:t>
             </a:r>
             <a:endParaRPr lang="zh-CN" altLang="en-US" dirty="0"/>
           </a:p>
@@ -5050,14 +5050,14 @@
           <p:nvPr>
             <p:extLst>
               <p:ext uri="{D42A27DB-BD31-4B8C-83A1-F6EECF244321}">
-                <p14:modId xmlns:p14="http://schemas.microsoft.com/office/powerpoint/2010/main" val="131322922"/>
+                <p14:modId xmlns:p14="http://schemas.microsoft.com/office/powerpoint/2010/main" val="2529960073"/>
               </p:ext>
             </p:extLst>
           </p:nvPr>
         </p:nvGraphicFramePr>
         <p:xfrm>
           <a:off x="183750" y="4020830"/>
-          <a:ext cx="11175028" cy="525191"/>
+          <a:ext cx="9944472" cy="525191"/>
         </p:xfrm>
         <a:graphic>
           <a:graphicData uri="http://schemas.openxmlformats.org/drawingml/2006/table">
@@ -5101,13 +5101,6 @@
                     </a:ext>
                   </a:extLst>
                 </a:gridCol>
-                <a:gridCol w="656621">
-                  <a:extLst>
-                    <a:ext uri="{9D8B030D-6E8A-4147-A177-3AD203B41FA5}">
-                      <a16:colId xmlns:a16="http://schemas.microsoft.com/office/drawing/2014/main" val="2899738750"/>
-                    </a:ext>
-                  </a:extLst>
-                </a:gridCol>
                 <a:gridCol w="503697">
                   <a:extLst>
                     <a:ext uri="{9D8B030D-6E8A-4147-A177-3AD203B41FA5}">
@@ -5119,13 +5112,6 @@
                   <a:extLst>
                     <a:ext uri="{9D8B030D-6E8A-4147-A177-3AD203B41FA5}">
                       <a16:colId xmlns:a16="http://schemas.microsoft.com/office/drawing/2014/main" val="3976164324"/>
-                    </a:ext>
-                  </a:extLst>
-                </a:gridCol>
-                <a:gridCol w="573935">
-                  <a:extLst>
-                    <a:ext uri="{9D8B030D-6E8A-4147-A177-3AD203B41FA5}">
-                      <a16:colId xmlns:a16="http://schemas.microsoft.com/office/drawing/2014/main" val="3816513119"/>
                     </a:ext>
                   </a:extLst>
                 </a:gridCol>
@@ -5265,20 +5251,6 @@
                       <a:pPr algn="ctr"/>
                       <a:r>
                         <a:rPr lang="zh-CN" altLang="en-US" sz="1100" dirty="0"/>
-                        <a:t>可见光</a:t>
-                      </a:r>
-                    </a:p>
-                  </a:txBody>
-                  <a:tcPr anchor="ctr"/>
-                </a:tc>
-                <a:tc>
-                  <a:txBody>
-                    <a:bodyPr/>
-                    <a:lstStyle/>
-                    <a:p>
-                      <a:pPr algn="ctr"/>
-                      <a:r>
-                        <a:rPr lang="zh-CN" altLang="en-US" sz="1100" dirty="0"/>
                         <a:t>裸图</a:t>
                       </a:r>
                     </a:p>
@@ -5294,20 +5266,6 @@
                       <a:r>
                         <a:rPr lang="zh-CN" altLang="en-US" sz="1100" dirty="0"/>
                         <a:t>绝缘子</a:t>
-                      </a:r>
-                    </a:p>
-                  </a:txBody>
-                  <a:tcPr anchor="ctr"/>
-                </a:tc>
-                <a:tc>
-                  <a:txBody>
-                    <a:bodyPr/>
-                    <a:lstStyle/>
-                    <a:p>
-                      <a:pPr algn="ctr"/>
-                      <a:r>
-                        <a:rPr lang="zh-CN" altLang="en-US" sz="1100" dirty="0"/>
-                        <a:t>野外</a:t>
                       </a:r>
                     </a:p>
                   </a:txBody>
@@ -5432,28 +5390,6 @@
                 </a:extLst>
               </a:tr>
               <a:tr h="0">
-                <a:tc>
-                  <a:txBody>
-                    <a:bodyPr/>
-                    <a:lstStyle/>
-                    <a:p>
-                      <a:pPr algn="ctr"/>
-                      <a:endParaRPr lang="zh-CN" altLang="en-US" sz="1100" dirty="0"/>
-                    </a:p>
-                  </a:txBody>
-                  <a:tcPr anchor="ctr"/>
-                </a:tc>
-                <a:tc>
-                  <a:txBody>
-                    <a:bodyPr/>
-                    <a:lstStyle/>
-                    <a:p>
-                      <a:pPr algn="ctr"/>
-                      <a:endParaRPr lang="zh-CN" altLang="en-US" sz="1100" dirty="0"/>
-                    </a:p>
-                  </a:txBody>
-                  <a:tcPr anchor="ctr"/>
-                </a:tc>
                 <a:tc>
                   <a:txBody>
                     <a:bodyPr/>
